--- a/Dart/08/Slide.pptx
+++ b/Dart/08/Slide.pptx
@@ -309,7 +309,7 @@
             <a:fld id="{1D8BD707-D9CF-40AE-B4C6-C98DA3205C09}" type="datetimeFigureOut">
               <a:rPr lang="en-US" smtClean="0"/>
               <a:pPr/>
-              <a:t>10/30/2022</a:t>
+              <a:t>12/24/2022</a:t>
             </a:fld>
             <a:endParaRPr lang="en-US"/>
           </a:p>
@@ -474,7 +474,7 @@
             <a:fld id="{1D8BD707-D9CF-40AE-B4C6-C98DA3205C09}" type="datetimeFigureOut">
               <a:rPr lang="en-US" smtClean="0"/>
               <a:pPr/>
-              <a:t>10/30/2022</a:t>
+              <a:t>12/24/2022</a:t>
             </a:fld>
             <a:endParaRPr lang="en-US"/>
           </a:p>
@@ -649,7 +649,7 @@
             <a:fld id="{1D8BD707-D9CF-40AE-B4C6-C98DA3205C09}" type="datetimeFigureOut">
               <a:rPr lang="en-US" smtClean="0"/>
               <a:pPr/>
-              <a:t>10/30/2022</a:t>
+              <a:t>12/24/2022</a:t>
             </a:fld>
             <a:endParaRPr lang="en-US"/>
           </a:p>
@@ -814,7 +814,7 @@
             <a:fld id="{1D8BD707-D9CF-40AE-B4C6-C98DA3205C09}" type="datetimeFigureOut">
               <a:rPr lang="en-US" smtClean="0"/>
               <a:pPr/>
-              <a:t>10/30/2022</a:t>
+              <a:t>12/24/2022</a:t>
             </a:fld>
             <a:endParaRPr lang="en-US"/>
           </a:p>
@@ -1056,7 +1056,7 @@
             <a:fld id="{1D8BD707-D9CF-40AE-B4C6-C98DA3205C09}" type="datetimeFigureOut">
               <a:rPr lang="en-US" smtClean="0"/>
               <a:pPr/>
-              <a:t>10/30/2022</a:t>
+              <a:t>12/24/2022</a:t>
             </a:fld>
             <a:endParaRPr lang="en-US"/>
           </a:p>
@@ -1338,7 +1338,7 @@
             <a:fld id="{1D8BD707-D9CF-40AE-B4C6-C98DA3205C09}" type="datetimeFigureOut">
               <a:rPr lang="en-US" smtClean="0"/>
               <a:pPr/>
-              <a:t>10/30/2022</a:t>
+              <a:t>12/24/2022</a:t>
             </a:fld>
             <a:endParaRPr lang="en-US"/>
           </a:p>
@@ -1754,7 +1754,7 @@
             <a:fld id="{1D8BD707-D9CF-40AE-B4C6-C98DA3205C09}" type="datetimeFigureOut">
               <a:rPr lang="en-US" smtClean="0"/>
               <a:pPr/>
-              <a:t>10/30/2022</a:t>
+              <a:t>12/24/2022</a:t>
             </a:fld>
             <a:endParaRPr lang="en-US"/>
           </a:p>
@@ -1868,7 +1868,7 @@
             <a:fld id="{1D8BD707-D9CF-40AE-B4C6-C98DA3205C09}" type="datetimeFigureOut">
               <a:rPr lang="en-US" smtClean="0"/>
               <a:pPr/>
-              <a:t>10/30/2022</a:t>
+              <a:t>12/24/2022</a:t>
             </a:fld>
             <a:endParaRPr lang="en-US"/>
           </a:p>
@@ -1960,7 +1960,7 @@
             <a:fld id="{1D8BD707-D9CF-40AE-B4C6-C98DA3205C09}" type="datetimeFigureOut">
               <a:rPr lang="en-US" smtClean="0"/>
               <a:pPr/>
-              <a:t>10/30/2022</a:t>
+              <a:t>12/24/2022</a:t>
             </a:fld>
             <a:endParaRPr lang="en-US"/>
           </a:p>
@@ -2232,7 +2232,7 @@
             <a:fld id="{1D8BD707-D9CF-40AE-B4C6-C98DA3205C09}" type="datetimeFigureOut">
               <a:rPr lang="en-US" smtClean="0"/>
               <a:pPr/>
-              <a:t>10/30/2022</a:t>
+              <a:t>12/24/2022</a:t>
             </a:fld>
             <a:endParaRPr lang="en-US"/>
           </a:p>
@@ -2481,7 +2481,7 @@
             <a:fld id="{1D8BD707-D9CF-40AE-B4C6-C98DA3205C09}" type="datetimeFigureOut">
               <a:rPr lang="en-US" smtClean="0"/>
               <a:pPr/>
-              <a:t>10/30/2022</a:t>
+              <a:t>12/24/2022</a:t>
             </a:fld>
             <a:endParaRPr lang="en-US"/>
           </a:p>
@@ -2698,7 +2698,7 @@
             <a:fld id="{1D8BD707-D9CF-40AE-B4C6-C98DA3205C09}" type="datetimeFigureOut">
               <a:rPr lang="en-US" smtClean="0"/>
               <a:pPr/>
-              <a:t>10/30/2022</a:t>
+              <a:t>12/24/2022</a:t>
             </a:fld>
             <a:endParaRPr lang="en-US"/>
           </a:p>
